--- a/res/res.pptx
+++ b/res/res.pptx
@@ -288,7 +288,7 @@
           <a:p>
             <a:fld id="{EC720BA9-4D50-6648-BBC7-B2DCDF013DA8}" type="datetimeFigureOut">
               <a:rPr kumimoji="1" lang="zh-CN" altLang="en-US" smtClean="0"/>
-              <a:t>18/1/9</a:t>
+              <a:t>18/1/18</a:t>
             </a:fld>
             <a:endParaRPr kumimoji="1" lang="zh-CN" altLang="en-US"/>
           </a:p>
@@ -458,7 +458,7 @@
           <a:p>
             <a:fld id="{EC720BA9-4D50-6648-BBC7-B2DCDF013DA8}" type="datetimeFigureOut">
               <a:rPr kumimoji="1" lang="zh-CN" altLang="en-US" smtClean="0"/>
-              <a:t>18/1/9</a:t>
+              <a:t>18/1/18</a:t>
             </a:fld>
             <a:endParaRPr kumimoji="1" lang="zh-CN" altLang="en-US"/>
           </a:p>
@@ -638,7 +638,7 @@
           <a:p>
             <a:fld id="{EC720BA9-4D50-6648-BBC7-B2DCDF013DA8}" type="datetimeFigureOut">
               <a:rPr kumimoji="1" lang="zh-CN" altLang="en-US" smtClean="0"/>
-              <a:t>18/1/9</a:t>
+              <a:t>18/1/18</a:t>
             </a:fld>
             <a:endParaRPr kumimoji="1" lang="zh-CN" altLang="en-US"/>
           </a:p>
@@ -808,7 +808,7 @@
           <a:p>
             <a:fld id="{EC720BA9-4D50-6648-BBC7-B2DCDF013DA8}" type="datetimeFigureOut">
               <a:rPr kumimoji="1" lang="zh-CN" altLang="en-US" smtClean="0"/>
-              <a:t>18/1/9</a:t>
+              <a:t>18/1/18</a:t>
             </a:fld>
             <a:endParaRPr kumimoji="1" lang="zh-CN" altLang="en-US"/>
           </a:p>
@@ -1054,7 +1054,7 @@
           <a:p>
             <a:fld id="{EC720BA9-4D50-6648-BBC7-B2DCDF013DA8}" type="datetimeFigureOut">
               <a:rPr kumimoji="1" lang="zh-CN" altLang="en-US" smtClean="0"/>
-              <a:t>18/1/9</a:t>
+              <a:t>18/1/18</a:t>
             </a:fld>
             <a:endParaRPr kumimoji="1" lang="zh-CN" altLang="en-US"/>
           </a:p>
@@ -1342,7 +1342,7 @@
           <a:p>
             <a:fld id="{EC720BA9-4D50-6648-BBC7-B2DCDF013DA8}" type="datetimeFigureOut">
               <a:rPr kumimoji="1" lang="zh-CN" altLang="en-US" smtClean="0"/>
-              <a:t>18/1/9</a:t>
+              <a:t>18/1/18</a:t>
             </a:fld>
             <a:endParaRPr kumimoji="1" lang="zh-CN" altLang="en-US"/>
           </a:p>
@@ -1764,7 +1764,7 @@
           <a:p>
             <a:fld id="{EC720BA9-4D50-6648-BBC7-B2DCDF013DA8}" type="datetimeFigureOut">
               <a:rPr kumimoji="1" lang="zh-CN" altLang="en-US" smtClean="0"/>
-              <a:t>18/1/9</a:t>
+              <a:t>18/1/18</a:t>
             </a:fld>
             <a:endParaRPr kumimoji="1" lang="zh-CN" altLang="en-US"/>
           </a:p>
@@ -1882,7 +1882,7 @@
           <a:p>
             <a:fld id="{EC720BA9-4D50-6648-BBC7-B2DCDF013DA8}" type="datetimeFigureOut">
               <a:rPr kumimoji="1" lang="zh-CN" altLang="en-US" smtClean="0"/>
-              <a:t>18/1/9</a:t>
+              <a:t>18/1/18</a:t>
             </a:fld>
             <a:endParaRPr kumimoji="1" lang="zh-CN" altLang="en-US"/>
           </a:p>
@@ -1977,7 +1977,7 @@
           <a:p>
             <a:fld id="{EC720BA9-4D50-6648-BBC7-B2DCDF013DA8}" type="datetimeFigureOut">
               <a:rPr kumimoji="1" lang="zh-CN" altLang="en-US" smtClean="0"/>
-              <a:t>18/1/9</a:t>
+              <a:t>18/1/18</a:t>
             </a:fld>
             <a:endParaRPr kumimoji="1" lang="zh-CN" altLang="en-US"/>
           </a:p>
@@ -2254,7 +2254,7 @@
           <a:p>
             <a:fld id="{EC720BA9-4D50-6648-BBC7-B2DCDF013DA8}" type="datetimeFigureOut">
               <a:rPr kumimoji="1" lang="zh-CN" altLang="en-US" smtClean="0"/>
-              <a:t>18/1/9</a:t>
+              <a:t>18/1/18</a:t>
             </a:fld>
             <a:endParaRPr kumimoji="1" lang="zh-CN" altLang="en-US"/>
           </a:p>
@@ -2507,7 +2507,7 @@
           <a:p>
             <a:fld id="{EC720BA9-4D50-6648-BBC7-B2DCDF013DA8}" type="datetimeFigureOut">
               <a:rPr kumimoji="1" lang="zh-CN" altLang="en-US" smtClean="0"/>
-              <a:t>18/1/9</a:t>
+              <a:t>18/1/18</a:t>
             </a:fld>
             <a:endParaRPr kumimoji="1" lang="zh-CN" altLang="en-US"/>
           </a:p>
@@ -2720,7 +2720,7 @@
           <a:p>
             <a:fld id="{EC720BA9-4D50-6648-BBC7-B2DCDF013DA8}" type="datetimeFigureOut">
               <a:rPr kumimoji="1" lang="zh-CN" altLang="en-US" smtClean="0"/>
-              <a:t>18/1/9</a:t>
+              <a:t>18/1/18</a:t>
             </a:fld>
             <a:endParaRPr kumimoji="1" lang="zh-CN" altLang="en-US"/>
           </a:p>
@@ -3097,13 +3097,58 @@
       </p:grpSpPr>
       <p:sp>
         <p:nvSpPr>
+          <p:cNvPr id="2" name="矩形 1"/>
+          <p:cNvSpPr/>
+          <p:nvPr/>
+        </p:nvSpPr>
+        <p:spPr>
+          <a:xfrm>
+            <a:off x="294831" y="57413"/>
+            <a:ext cx="6951198" cy="3911666"/>
+          </a:xfrm>
+          <a:prstGeom prst="rect">
+            <a:avLst/>
+          </a:prstGeom>
+          <a:solidFill>
+            <a:schemeClr val="bg1"/>
+          </a:solidFill>
+          <a:ln w="1270" cmpd="sng">
+            <a:noFill/>
+          </a:ln>
+          <a:effectLst/>
+        </p:spPr>
+        <p:style>
+          <a:lnRef idx="1">
+            <a:schemeClr val="accent1"/>
+          </a:lnRef>
+          <a:fillRef idx="3">
+            <a:schemeClr val="accent1"/>
+          </a:fillRef>
+          <a:effectRef idx="2">
+            <a:schemeClr val="accent1"/>
+          </a:effectRef>
+          <a:fontRef idx="minor">
+            <a:schemeClr val="lt1"/>
+          </a:fontRef>
+        </p:style>
+        <p:txBody>
+          <a:bodyPr rtlCol="0" anchor="ctr"/>
+          <a:lstStyle/>
+          <a:p>
+            <a:pPr algn="ctr"/>
+            <a:endParaRPr kumimoji="1" lang="zh-CN" altLang="en-US"/>
+          </a:p>
+        </p:txBody>
+      </p:sp>
+      <p:sp>
+        <p:nvSpPr>
           <p:cNvPr id="4" name="矩形 3"/>
           <p:cNvSpPr/>
           <p:nvPr/>
         </p:nvSpPr>
         <p:spPr>
           <a:xfrm>
-            <a:off x="285292" y="2232623"/>
+            <a:off x="810093" y="2421154"/>
             <a:ext cx="1049602" cy="430929"/>
           </a:xfrm>
           <a:prstGeom prst="rect">
@@ -3146,7 +3191,7 @@
         </p:nvGrpSpPr>
         <p:grpSpPr>
           <a:xfrm>
-            <a:off x="2632578" y="2232623"/>
+            <a:off x="3157379" y="2421154"/>
             <a:ext cx="2138204" cy="1174408"/>
             <a:chOff x="4041899" y="2678780"/>
             <a:chExt cx="2138204" cy="1174408"/>
@@ -3310,7 +3355,7 @@
         </p:nvSpPr>
         <p:spPr>
           <a:xfrm>
-            <a:off x="1458935" y="2232623"/>
+            <a:off x="1983736" y="2421154"/>
             <a:ext cx="1049602" cy="430929"/>
           </a:xfrm>
           <a:prstGeom prst="rect">
@@ -3353,7 +3398,7 @@
         </p:nvCxnSpPr>
         <p:spPr>
           <a:xfrm>
-            <a:off x="285292" y="1991991"/>
+            <a:off x="810093" y="2180522"/>
             <a:ext cx="4462832" cy="0"/>
           </a:xfrm>
           <a:prstGeom prst="line">
@@ -3389,7 +3434,7 @@
         </p:nvCxnSpPr>
         <p:spPr>
           <a:xfrm flipV="1">
-            <a:off x="4941922" y="234266"/>
+            <a:off x="5466723" y="422797"/>
             <a:ext cx="0" cy="3172766"/>
           </a:xfrm>
           <a:prstGeom prst="line">
@@ -3425,7 +3470,7 @@
         </p:nvSpPr>
         <p:spPr>
           <a:xfrm>
-            <a:off x="5161339" y="2015411"/>
+            <a:off x="5686140" y="2203942"/>
             <a:ext cx="1049602" cy="430929"/>
           </a:xfrm>
           <a:prstGeom prst="rect">
@@ -3472,7 +3517,7 @@
         </p:nvSpPr>
         <p:spPr>
           <a:xfrm>
-            <a:off x="5161339" y="2625662"/>
+            <a:off x="5686140" y="2814193"/>
             <a:ext cx="1049602" cy="430929"/>
           </a:xfrm>
           <a:prstGeom prst="rect">
@@ -3519,7 +3564,7 @@
         </p:nvSpPr>
         <p:spPr>
           <a:xfrm>
-            <a:off x="5161339" y="1405159"/>
+            <a:off x="5686140" y="1593690"/>
             <a:ext cx="1049602" cy="430929"/>
           </a:xfrm>
           <a:prstGeom prst="rect">
@@ -3570,7 +3615,7 @@
         </p:nvSpPr>
         <p:spPr>
           <a:xfrm>
-            <a:off x="285292" y="585812"/>
+            <a:off x="810093" y="774343"/>
             <a:ext cx="4485490" cy="1281445"/>
           </a:xfrm>
           <a:prstGeom prst="rect">
@@ -3609,7 +3654,7 @@
         </p:nvSpPr>
         <p:spPr>
           <a:xfrm>
-            <a:off x="183232" y="219703"/>
+            <a:off x="708033" y="408234"/>
             <a:ext cx="623187" cy="276999"/>
           </a:xfrm>
           <a:prstGeom prst="rect">
@@ -3639,7 +3684,7 @@
         </p:nvSpPr>
         <p:spPr>
           <a:xfrm>
-            <a:off x="5161339" y="794907"/>
+            <a:off x="5686140" y="983438"/>
             <a:ext cx="1049602" cy="430929"/>
           </a:xfrm>
           <a:prstGeom prst="rect">
@@ -3693,7 +3738,7 @@
         </p:nvSpPr>
         <p:spPr>
           <a:xfrm>
-            <a:off x="3291404" y="1378228"/>
+            <a:off x="3816205" y="1566759"/>
             <a:ext cx="1423807" cy="430927"/>
           </a:xfrm>
           <a:prstGeom prst="rect">
@@ -3759,7 +3804,7 @@
         </p:nvSpPr>
         <p:spPr>
           <a:xfrm>
-            <a:off x="1252144" y="1378228"/>
+            <a:off x="1776945" y="1566759"/>
             <a:ext cx="813981" cy="430927"/>
           </a:xfrm>
           <a:prstGeom prst="rect">
@@ -3802,7 +3847,7 @@
         </p:nvSpPr>
         <p:spPr>
           <a:xfrm>
-            <a:off x="342728" y="1378228"/>
+            <a:off x="867529" y="1566759"/>
             <a:ext cx="813981" cy="430927"/>
           </a:xfrm>
           <a:prstGeom prst="rect">
@@ -3845,7 +3890,7 @@
         </p:nvSpPr>
         <p:spPr>
           <a:xfrm>
-            <a:off x="2161560" y="1378228"/>
+            <a:off x="2686361" y="1566759"/>
             <a:ext cx="1034409" cy="430927"/>
           </a:xfrm>
           <a:prstGeom prst="rect">
@@ -3900,7 +3945,7 @@
         </p:nvSpPr>
         <p:spPr>
           <a:xfrm>
-            <a:off x="342728" y="622014"/>
+            <a:off x="867529" y="810545"/>
             <a:ext cx="1134589" cy="430927"/>
           </a:xfrm>
           <a:prstGeom prst="rect">
@@ -3929,11 +3974,7 @@
             <a:pPr algn="ctr"/>
             <a:r>
               <a:rPr kumimoji="1" lang="en-US" altLang="zh-CN" sz="1400" dirty="0" smtClean="0"/>
-              <a:t>react</a:t>
-            </a:r>
-            <a:r>
-              <a:rPr kumimoji="1" lang="en-US" altLang="zh-CN" sz="1400" dirty="0" smtClean="0"/>
-              <a:t>-router</a:t>
+              <a:t>react-router</a:t>
             </a:r>
             <a:endParaRPr kumimoji="1" lang="zh-CN" altLang="en-US" sz="1400" dirty="0"/>
           </a:p>
@@ -3947,7 +3988,7 @@
         </p:nvSpPr>
         <p:spPr>
           <a:xfrm>
-            <a:off x="1553908" y="622014"/>
+            <a:off x="2078709" y="810545"/>
             <a:ext cx="750433" cy="430927"/>
           </a:xfrm>
           <a:prstGeom prst="rect">
@@ -3990,7 +4031,7 @@
         </p:nvSpPr>
         <p:spPr>
           <a:xfrm>
-            <a:off x="2380932" y="622014"/>
+            <a:off x="2905733" y="810545"/>
             <a:ext cx="1267491" cy="430927"/>
           </a:xfrm>
           <a:prstGeom prst="rect">
@@ -4018,16 +4059,8 @@
           <a:p>
             <a:pPr algn="ctr"/>
             <a:r>
-              <a:rPr kumimoji="1" lang="en-US" altLang="zh-CN" sz="1400" dirty="0" err="1"/>
-              <a:t>r</a:t>
-            </a:r>
-            <a:r>
-              <a:rPr kumimoji="1" lang="en-US" altLang="zh-CN" sz="1400" dirty="0" err="1" smtClean="0"/>
-              <a:t>edux</a:t>
-            </a:r>
-            <a:r>
               <a:rPr kumimoji="1" lang="en-US" altLang="zh-CN" sz="1400" dirty="0" smtClean="0"/>
-              <a:t>-trunk</a:t>
+              <a:t>react</a:t>
             </a:r>
             <a:endParaRPr kumimoji="1" lang="zh-CN" altLang="en-US" sz="1400" dirty="0"/>
           </a:p>
@@ -4041,7 +4074,7 @@
         </p:nvSpPr>
         <p:spPr>
           <a:xfrm>
-            <a:off x="3725013" y="622014"/>
+            <a:off x="4249814" y="810545"/>
             <a:ext cx="990197" cy="430927"/>
           </a:xfrm>
           <a:prstGeom prst="rect">

--- a/res/res.pptx
+++ b/res/res.pptx
@@ -6,6 +6,7 @@
   </p:sldMasterIdLst>
   <p:sldIdLst>
     <p:sldId id="257" r:id="rId2"/>
+    <p:sldId id="258" r:id="rId3"/>
   </p:sldIdLst>
   <p:sldSz cx="9144000" cy="6858000" type="screen4x3"/>
   <p:notesSz cx="6858000" cy="9144000"/>
@@ -288,7 +289,7 @@
           <a:p>
             <a:fld id="{EC720BA9-4D50-6648-BBC7-B2DCDF013DA8}" type="datetimeFigureOut">
               <a:rPr kumimoji="1" lang="zh-CN" altLang="en-US" smtClean="0"/>
-              <a:t>18/1/18</a:t>
+              <a:t>18/2/8</a:t>
             </a:fld>
             <a:endParaRPr kumimoji="1" lang="zh-CN" altLang="en-US"/>
           </a:p>
@@ -458,7 +459,7 @@
           <a:p>
             <a:fld id="{EC720BA9-4D50-6648-BBC7-B2DCDF013DA8}" type="datetimeFigureOut">
               <a:rPr kumimoji="1" lang="zh-CN" altLang="en-US" smtClean="0"/>
-              <a:t>18/1/18</a:t>
+              <a:t>18/2/8</a:t>
             </a:fld>
             <a:endParaRPr kumimoji="1" lang="zh-CN" altLang="en-US"/>
           </a:p>
@@ -638,7 +639,7 @@
           <a:p>
             <a:fld id="{EC720BA9-4D50-6648-BBC7-B2DCDF013DA8}" type="datetimeFigureOut">
               <a:rPr kumimoji="1" lang="zh-CN" altLang="en-US" smtClean="0"/>
-              <a:t>18/1/18</a:t>
+              <a:t>18/2/8</a:t>
             </a:fld>
             <a:endParaRPr kumimoji="1" lang="zh-CN" altLang="en-US"/>
           </a:p>
@@ -808,7 +809,7 @@
           <a:p>
             <a:fld id="{EC720BA9-4D50-6648-BBC7-B2DCDF013DA8}" type="datetimeFigureOut">
               <a:rPr kumimoji="1" lang="zh-CN" altLang="en-US" smtClean="0"/>
-              <a:t>18/1/18</a:t>
+              <a:t>18/2/8</a:t>
             </a:fld>
             <a:endParaRPr kumimoji="1" lang="zh-CN" altLang="en-US"/>
           </a:p>
@@ -1054,7 +1055,7 @@
           <a:p>
             <a:fld id="{EC720BA9-4D50-6648-BBC7-B2DCDF013DA8}" type="datetimeFigureOut">
               <a:rPr kumimoji="1" lang="zh-CN" altLang="en-US" smtClean="0"/>
-              <a:t>18/1/18</a:t>
+              <a:t>18/2/8</a:t>
             </a:fld>
             <a:endParaRPr kumimoji="1" lang="zh-CN" altLang="en-US"/>
           </a:p>
@@ -1342,7 +1343,7 @@
           <a:p>
             <a:fld id="{EC720BA9-4D50-6648-BBC7-B2DCDF013DA8}" type="datetimeFigureOut">
               <a:rPr kumimoji="1" lang="zh-CN" altLang="en-US" smtClean="0"/>
-              <a:t>18/1/18</a:t>
+              <a:t>18/2/8</a:t>
             </a:fld>
             <a:endParaRPr kumimoji="1" lang="zh-CN" altLang="en-US"/>
           </a:p>
@@ -1764,7 +1765,7 @@
           <a:p>
             <a:fld id="{EC720BA9-4D50-6648-BBC7-B2DCDF013DA8}" type="datetimeFigureOut">
               <a:rPr kumimoji="1" lang="zh-CN" altLang="en-US" smtClean="0"/>
-              <a:t>18/1/18</a:t>
+              <a:t>18/2/8</a:t>
             </a:fld>
             <a:endParaRPr kumimoji="1" lang="zh-CN" altLang="en-US"/>
           </a:p>
@@ -1882,7 +1883,7 @@
           <a:p>
             <a:fld id="{EC720BA9-4D50-6648-BBC7-B2DCDF013DA8}" type="datetimeFigureOut">
               <a:rPr kumimoji="1" lang="zh-CN" altLang="en-US" smtClean="0"/>
-              <a:t>18/1/18</a:t>
+              <a:t>18/2/8</a:t>
             </a:fld>
             <a:endParaRPr kumimoji="1" lang="zh-CN" altLang="en-US"/>
           </a:p>
@@ -1977,7 +1978,7 @@
           <a:p>
             <a:fld id="{EC720BA9-4D50-6648-BBC7-B2DCDF013DA8}" type="datetimeFigureOut">
               <a:rPr kumimoji="1" lang="zh-CN" altLang="en-US" smtClean="0"/>
-              <a:t>18/1/18</a:t>
+              <a:t>18/2/8</a:t>
             </a:fld>
             <a:endParaRPr kumimoji="1" lang="zh-CN" altLang="en-US"/>
           </a:p>
@@ -2254,7 +2255,7 @@
           <a:p>
             <a:fld id="{EC720BA9-4D50-6648-BBC7-B2DCDF013DA8}" type="datetimeFigureOut">
               <a:rPr kumimoji="1" lang="zh-CN" altLang="en-US" smtClean="0"/>
-              <a:t>18/1/18</a:t>
+              <a:t>18/2/8</a:t>
             </a:fld>
             <a:endParaRPr kumimoji="1" lang="zh-CN" altLang="en-US"/>
           </a:p>
@@ -2507,7 +2508,7 @@
           <a:p>
             <a:fld id="{EC720BA9-4D50-6648-BBC7-B2DCDF013DA8}" type="datetimeFigureOut">
               <a:rPr kumimoji="1" lang="zh-CN" altLang="en-US" smtClean="0"/>
-              <a:t>18/1/18</a:t>
+              <a:t>18/2/8</a:t>
             </a:fld>
             <a:endParaRPr kumimoji="1" lang="zh-CN" altLang="en-US"/>
           </a:p>
@@ -2720,7 +2721,7 @@
           <a:p>
             <a:fld id="{EC720BA9-4D50-6648-BBC7-B2DCDF013DA8}" type="datetimeFigureOut">
               <a:rPr kumimoji="1" lang="zh-CN" altLang="en-US" smtClean="0"/>
-              <a:t>18/1/18</a:t>
+              <a:t>18/2/8</a:t>
             </a:fld>
             <a:endParaRPr kumimoji="1" lang="zh-CN" altLang="en-US"/>
           </a:p>
@@ -3097,38 +3098,34 @@
       </p:grpSpPr>
       <p:sp>
         <p:nvSpPr>
-          <p:cNvPr id="2" name="矩形 1"/>
+          <p:cNvPr id="26" name="矩形 25"/>
           <p:cNvSpPr/>
           <p:nvPr/>
         </p:nvSpPr>
         <p:spPr>
           <a:xfrm>
-            <a:off x="294831" y="57413"/>
-            <a:ext cx="6951198" cy="3911666"/>
+            <a:off x="558423" y="269422"/>
+            <a:ext cx="6483492" cy="3552233"/>
           </a:xfrm>
           <a:prstGeom prst="rect">
             <a:avLst/>
           </a:prstGeom>
-          <a:solidFill>
-            <a:schemeClr val="bg1"/>
-          </a:solidFill>
-          <a:ln w="1270" cmpd="sng">
+          <a:ln w="3175" cmpd="sng">
             <a:noFill/>
           </a:ln>
-          <a:effectLst/>
         </p:spPr>
         <p:style>
-          <a:lnRef idx="1">
-            <a:schemeClr val="accent1"/>
+          <a:lnRef idx="2">
+            <a:schemeClr val="dk1"/>
           </a:lnRef>
-          <a:fillRef idx="3">
-            <a:schemeClr val="accent1"/>
+          <a:fillRef idx="1">
+            <a:schemeClr val="lt1"/>
           </a:fillRef>
-          <a:effectRef idx="2">
-            <a:schemeClr val="accent1"/>
+          <a:effectRef idx="0">
+            <a:schemeClr val="dk1"/>
           </a:effectRef>
           <a:fontRef idx="minor">
-            <a:schemeClr val="lt1"/>
+            <a:schemeClr val="dk1"/>
           </a:fontRef>
         </p:style>
         <p:txBody>
@@ -3136,7 +3133,7 @@
           <a:lstStyle/>
           <a:p>
             <a:pPr algn="ctr"/>
-            <a:endParaRPr kumimoji="1" lang="zh-CN" altLang="en-US"/>
+            <a:endParaRPr kumimoji="1" lang="zh-CN" altLang="en-US" sz="1400" dirty="0"/>
           </a:p>
         </p:txBody>
       </p:sp>
@@ -4113,6 +4110,1043 @@
     <p:extLst>
       <p:ext uri="{BB962C8B-B14F-4D97-AF65-F5344CB8AC3E}">
         <p14:creationId xmlns:p14="http://schemas.microsoft.com/office/powerpoint/2010/main" val="2387163435"/>
+      </p:ext>
+    </p:extLst>
+  </p:cSld>
+  <p:clrMapOvr>
+    <a:masterClrMapping/>
+  </p:clrMapOvr>
+</p:sld>
+</file>
+
+<file path=ppt/slides/slide2.xml><?xml version="1.0" encoding="utf-8"?>
+<p:sld xmlns:a="http://schemas.openxmlformats.org/drawingml/2006/main" xmlns:r="http://schemas.openxmlformats.org/officeDocument/2006/relationships" xmlns:p="http://schemas.openxmlformats.org/presentationml/2006/main">
+  <p:cSld>
+    <p:spTree>
+      <p:nvGrpSpPr>
+        <p:cNvPr id="1" name=""/>
+        <p:cNvGrpSpPr/>
+        <p:nvPr/>
+      </p:nvGrpSpPr>
+      <p:grpSpPr>
+        <a:xfrm>
+          <a:off x="0" y="0"/>
+          <a:ext cx="0" cy="0"/>
+          <a:chOff x="0" y="0"/>
+          <a:chExt cx="0" cy="0"/>
+        </a:xfrm>
+      </p:grpSpPr>
+      <p:sp>
+        <p:nvSpPr>
+          <p:cNvPr id="24" name="矩形 23"/>
+          <p:cNvSpPr/>
+          <p:nvPr/>
+        </p:nvSpPr>
+        <p:spPr>
+          <a:xfrm>
+            <a:off x="0" y="224337"/>
+            <a:ext cx="6769763" cy="3438555"/>
+          </a:xfrm>
+          <a:prstGeom prst="rect">
+            <a:avLst/>
+          </a:prstGeom>
+          <a:solidFill>
+            <a:schemeClr val="bg1"/>
+          </a:solidFill>
+          <a:ln w="1270" cmpd="sng">
+            <a:noFill/>
+          </a:ln>
+          <a:effectLst/>
+        </p:spPr>
+        <p:style>
+          <a:lnRef idx="1">
+            <a:schemeClr val="accent1"/>
+          </a:lnRef>
+          <a:fillRef idx="3">
+            <a:schemeClr val="accent1"/>
+          </a:fillRef>
+          <a:effectRef idx="2">
+            <a:schemeClr val="accent1"/>
+          </a:effectRef>
+          <a:fontRef idx="minor">
+            <a:schemeClr val="lt1"/>
+          </a:fontRef>
+        </p:style>
+        <p:txBody>
+          <a:bodyPr rtlCol="0" anchor="ctr"/>
+          <a:lstStyle/>
+          <a:p>
+            <a:pPr algn="ctr"/>
+            <a:endParaRPr kumimoji="1" lang="zh-CN" altLang="en-US"/>
+          </a:p>
+        </p:txBody>
+      </p:sp>
+      <p:sp>
+        <p:nvSpPr>
+          <p:cNvPr id="4" name="矩形 3"/>
+          <p:cNvSpPr/>
+          <p:nvPr/>
+        </p:nvSpPr>
+        <p:spPr>
+          <a:xfrm>
+            <a:off x="3599705" y="1396980"/>
+            <a:ext cx="1508182" cy="430927"/>
+          </a:xfrm>
+          <a:prstGeom prst="rect">
+            <a:avLst/>
+          </a:prstGeom>
+          <a:ln w="3175" cmpd="sng"/>
+        </p:spPr>
+        <p:style>
+          <a:lnRef idx="2">
+            <a:schemeClr val="dk1"/>
+          </a:lnRef>
+          <a:fillRef idx="1">
+            <a:schemeClr val="lt1"/>
+          </a:fillRef>
+          <a:effectRef idx="0">
+            <a:schemeClr val="dk1"/>
+          </a:effectRef>
+          <a:fontRef idx="minor">
+            <a:schemeClr val="dk1"/>
+          </a:fontRef>
+        </p:style>
+        <p:txBody>
+          <a:bodyPr rtlCol="0" anchor="ctr"/>
+          <a:lstStyle/>
+          <a:p>
+            <a:pPr algn="ctr"/>
+            <a:r>
+              <a:rPr kumimoji="1" lang="en-US" altLang="zh-CN" sz="1400" dirty="0" smtClean="0"/>
+              <a:t>states</a:t>
+            </a:r>
+            <a:endParaRPr kumimoji="1" lang="zh-CN" altLang="en-US" sz="1400" dirty="0"/>
+          </a:p>
+        </p:txBody>
+      </p:sp>
+      <p:sp>
+        <p:nvSpPr>
+          <p:cNvPr id="5" name="矩形 4"/>
+          <p:cNvSpPr/>
+          <p:nvPr/>
+        </p:nvSpPr>
+        <p:spPr>
+          <a:xfrm>
+            <a:off x="384903" y="3006229"/>
+            <a:ext cx="4722984" cy="430927"/>
+          </a:xfrm>
+          <a:prstGeom prst="rect">
+            <a:avLst/>
+          </a:prstGeom>
+          <a:ln w="3175" cmpd="sng"/>
+        </p:spPr>
+        <p:style>
+          <a:lnRef idx="2">
+            <a:schemeClr val="dk1"/>
+          </a:lnRef>
+          <a:fillRef idx="1">
+            <a:schemeClr val="lt1"/>
+          </a:fillRef>
+          <a:effectRef idx="0">
+            <a:schemeClr val="dk1"/>
+          </a:effectRef>
+          <a:fontRef idx="minor">
+            <a:schemeClr val="dk1"/>
+          </a:fontRef>
+        </p:style>
+        <p:txBody>
+          <a:bodyPr rtlCol="0" anchor="ctr"/>
+          <a:lstStyle/>
+          <a:p>
+            <a:pPr algn="ctr"/>
+            <a:r>
+              <a:rPr kumimoji="1" lang="en-US" altLang="zh-CN" sz="1400" dirty="0" smtClean="0"/>
+              <a:t>page</a:t>
+            </a:r>
+            <a:endParaRPr kumimoji="1" lang="zh-CN" altLang="en-US" sz="1400" dirty="0"/>
+          </a:p>
+        </p:txBody>
+      </p:sp>
+      <p:sp>
+        <p:nvSpPr>
+          <p:cNvPr id="6" name="矩形 5"/>
+          <p:cNvSpPr/>
+          <p:nvPr/>
+        </p:nvSpPr>
+        <p:spPr>
+          <a:xfrm>
+            <a:off x="3599705" y="500040"/>
+            <a:ext cx="1508182" cy="484604"/>
+          </a:xfrm>
+          <a:prstGeom prst="rect">
+            <a:avLst/>
+          </a:prstGeom>
+          <a:ln w="3175" cmpd="sng"/>
+        </p:spPr>
+        <p:style>
+          <a:lnRef idx="2">
+            <a:schemeClr val="dk1"/>
+          </a:lnRef>
+          <a:fillRef idx="1">
+            <a:schemeClr val="lt1"/>
+          </a:fillRef>
+          <a:effectRef idx="0">
+            <a:schemeClr val="dk1"/>
+          </a:effectRef>
+          <a:fontRef idx="minor">
+            <a:schemeClr val="dk1"/>
+          </a:fontRef>
+        </p:style>
+        <p:txBody>
+          <a:bodyPr rtlCol="0" anchor="ctr"/>
+          <a:lstStyle/>
+          <a:p>
+            <a:pPr algn="ctr"/>
+            <a:r>
+              <a:rPr kumimoji="1" lang="en-US" altLang="zh-CN" sz="1400" u="sng" dirty="0" smtClean="0"/>
+              <a:t>container</a:t>
+            </a:r>
+            <a:r>
+              <a:rPr kumimoji="1" lang="zh-CN" altLang="en-US" sz="1400" u="sng" dirty="0" smtClean="0"/>
+              <a:t> </a:t>
+            </a:r>
+            <a:r>
+              <a:rPr kumimoji="1" lang="en-US" altLang="zh-CN" sz="1400" u="sng" dirty="0" smtClean="0"/>
+              <a:t>creator</a:t>
+            </a:r>
+            <a:endParaRPr kumimoji="1" lang="zh-CN" altLang="en-US" sz="1400" u="sng" dirty="0"/>
+          </a:p>
+        </p:txBody>
+      </p:sp>
+      <p:sp>
+        <p:nvSpPr>
+          <p:cNvPr id="8" name="矩形 7"/>
+          <p:cNvSpPr/>
+          <p:nvPr/>
+        </p:nvSpPr>
+        <p:spPr>
+          <a:xfrm>
+            <a:off x="3599705" y="966053"/>
+            <a:ext cx="1508182" cy="430927"/>
+          </a:xfrm>
+          <a:prstGeom prst="rect">
+            <a:avLst/>
+          </a:prstGeom>
+          <a:ln w="3175" cmpd="sng"/>
+        </p:spPr>
+        <p:style>
+          <a:lnRef idx="2">
+            <a:schemeClr val="dk1"/>
+          </a:lnRef>
+          <a:fillRef idx="1">
+            <a:schemeClr val="lt1"/>
+          </a:fillRef>
+          <a:effectRef idx="0">
+            <a:schemeClr val="dk1"/>
+          </a:effectRef>
+          <a:fontRef idx="minor">
+            <a:schemeClr val="dk1"/>
+          </a:fontRef>
+        </p:style>
+        <p:txBody>
+          <a:bodyPr rtlCol="0" anchor="ctr"/>
+          <a:lstStyle/>
+          <a:p>
+            <a:pPr algn="ctr"/>
+            <a:r>
+              <a:rPr kumimoji="1" lang="en-US" altLang="zh-CN" sz="1400" dirty="0" smtClean="0"/>
+              <a:t>handlers</a:t>
+            </a:r>
+            <a:endParaRPr kumimoji="1" lang="zh-CN" altLang="en-US" sz="1400" dirty="0"/>
+          </a:p>
+        </p:txBody>
+      </p:sp>
+      <p:sp>
+        <p:nvSpPr>
+          <p:cNvPr id="9" name="矩形 8"/>
+          <p:cNvSpPr/>
+          <p:nvPr/>
+        </p:nvSpPr>
+        <p:spPr>
+          <a:xfrm>
+            <a:off x="3599705" y="1822839"/>
+            <a:ext cx="1508182" cy="430927"/>
+          </a:xfrm>
+          <a:prstGeom prst="rect">
+            <a:avLst/>
+          </a:prstGeom>
+          <a:ln w="3175" cmpd="sng"/>
+        </p:spPr>
+        <p:style>
+          <a:lnRef idx="2">
+            <a:schemeClr val="dk1"/>
+          </a:lnRef>
+          <a:fillRef idx="1">
+            <a:schemeClr val="lt1"/>
+          </a:fillRef>
+          <a:effectRef idx="0">
+            <a:schemeClr val="dk1"/>
+          </a:effectRef>
+          <a:fontRef idx="minor">
+            <a:schemeClr val="dk1"/>
+          </a:fontRef>
+        </p:style>
+        <p:txBody>
+          <a:bodyPr rtlCol="0" anchor="ctr"/>
+          <a:lstStyle/>
+          <a:p>
+            <a:pPr algn="ctr"/>
+            <a:r>
+              <a:rPr kumimoji="1" lang="en-US" altLang="zh-CN" sz="1400" dirty="0"/>
+              <a:t>actions</a:t>
+            </a:r>
+            <a:endParaRPr kumimoji="1" lang="zh-CN" altLang="en-US" sz="1400" dirty="0"/>
+          </a:p>
+        </p:txBody>
+      </p:sp>
+      <p:sp>
+        <p:nvSpPr>
+          <p:cNvPr id="10" name="矩形 9"/>
+          <p:cNvSpPr/>
+          <p:nvPr/>
+        </p:nvSpPr>
+        <p:spPr>
+          <a:xfrm>
+            <a:off x="384903" y="534060"/>
+            <a:ext cx="1508182" cy="430927"/>
+          </a:xfrm>
+          <a:prstGeom prst="rect">
+            <a:avLst/>
+          </a:prstGeom>
+          <a:ln w="3175" cmpd="sng"/>
+        </p:spPr>
+        <p:style>
+          <a:lnRef idx="2">
+            <a:schemeClr val="dk1"/>
+          </a:lnRef>
+          <a:fillRef idx="1">
+            <a:schemeClr val="lt1"/>
+          </a:fillRef>
+          <a:effectRef idx="0">
+            <a:schemeClr val="dk1"/>
+          </a:effectRef>
+          <a:fontRef idx="minor">
+            <a:schemeClr val="dk1"/>
+          </a:fontRef>
+        </p:style>
+        <p:txBody>
+          <a:bodyPr rtlCol="0" anchor="ctr"/>
+          <a:lstStyle/>
+          <a:p>
+            <a:pPr algn="ctr"/>
+            <a:r>
+              <a:rPr kumimoji="1" lang="en-US" altLang="zh-CN" sz="1400" u="sng" dirty="0" err="1" smtClean="0"/>
+              <a:t>bnorth</a:t>
+            </a:r>
+            <a:endParaRPr kumimoji="1" lang="zh-CN" altLang="en-US" sz="1400" u="sng" dirty="0"/>
+          </a:p>
+        </p:txBody>
+      </p:sp>
+      <p:sp>
+        <p:nvSpPr>
+          <p:cNvPr id="11" name="矩形 10"/>
+          <p:cNvSpPr/>
+          <p:nvPr/>
+        </p:nvSpPr>
+        <p:spPr>
+          <a:xfrm>
+            <a:off x="384903" y="964987"/>
+            <a:ext cx="1508182" cy="430927"/>
+          </a:xfrm>
+          <a:prstGeom prst="rect">
+            <a:avLst/>
+          </a:prstGeom>
+          <a:ln w="3175" cmpd="sng"/>
+        </p:spPr>
+        <p:style>
+          <a:lnRef idx="2">
+            <a:schemeClr val="dk1"/>
+          </a:lnRef>
+          <a:fillRef idx="1">
+            <a:schemeClr val="lt1"/>
+          </a:fillRef>
+          <a:effectRef idx="0">
+            <a:schemeClr val="dk1"/>
+          </a:effectRef>
+          <a:fontRef idx="minor">
+            <a:schemeClr val="dk1"/>
+          </a:fontRef>
+        </p:style>
+        <p:txBody>
+          <a:bodyPr rtlCol="0" anchor="ctr"/>
+          <a:lstStyle/>
+          <a:p>
+            <a:pPr algn="ctr"/>
+            <a:r>
+              <a:rPr kumimoji="1" lang="en-US" altLang="zh-CN" sz="1400" dirty="0" smtClean="0"/>
+              <a:t>router</a:t>
+            </a:r>
+            <a:endParaRPr kumimoji="1" lang="zh-CN" altLang="en-US" sz="1400" dirty="0"/>
+          </a:p>
+        </p:txBody>
+      </p:sp>
+      <p:sp>
+        <p:nvSpPr>
+          <p:cNvPr id="12" name="矩形 11"/>
+          <p:cNvSpPr/>
+          <p:nvPr/>
+        </p:nvSpPr>
+        <p:spPr>
+          <a:xfrm>
+            <a:off x="384903" y="1395914"/>
+            <a:ext cx="1508182" cy="430927"/>
+          </a:xfrm>
+          <a:prstGeom prst="rect">
+            <a:avLst/>
+          </a:prstGeom>
+          <a:ln w="3175" cmpd="sng"/>
+        </p:spPr>
+        <p:style>
+          <a:lnRef idx="2">
+            <a:schemeClr val="dk1"/>
+          </a:lnRef>
+          <a:fillRef idx="1">
+            <a:schemeClr val="lt1"/>
+          </a:fillRef>
+          <a:effectRef idx="0">
+            <a:schemeClr val="dk1"/>
+          </a:effectRef>
+          <a:fontRef idx="minor">
+            <a:schemeClr val="dk1"/>
+          </a:fontRef>
+        </p:style>
+        <p:txBody>
+          <a:bodyPr rtlCol="0" anchor="ctr"/>
+          <a:lstStyle/>
+          <a:p>
+            <a:pPr algn="ctr"/>
+            <a:r>
+              <a:rPr kumimoji="1" lang="en-US" altLang="zh-CN" sz="1400" dirty="0" err="1" smtClean="0"/>
+              <a:t>redux</a:t>
+            </a:r>
+            <a:endParaRPr kumimoji="1" lang="zh-CN" altLang="en-US" sz="1400" dirty="0"/>
+          </a:p>
+        </p:txBody>
+      </p:sp>
+      <p:cxnSp>
+        <p:nvCxnSpPr>
+          <p:cNvPr id="18" name="肘形连接符 17"/>
+          <p:cNvCxnSpPr>
+            <a:stCxn id="12" idx="1"/>
+            <a:endCxn id="5" idx="1"/>
+          </p:cNvCxnSpPr>
+          <p:nvPr/>
+        </p:nvCxnSpPr>
+        <p:spPr>
+          <a:xfrm rot="10800000" flipV="1">
+            <a:off x="384903" y="1611377"/>
+            <a:ext cx="12700" cy="1610315"/>
+          </a:xfrm>
+          <a:prstGeom prst="bentConnector3">
+            <a:avLst>
+              <a:gd name="adj1" fmla="val 1800000"/>
+            </a:avLst>
+          </a:prstGeom>
+          <a:ln w="3175" cmpd="sng">
+            <a:tailEnd type="arrow"/>
+          </a:ln>
+          <a:effectLst/>
+        </p:spPr>
+        <p:style>
+          <a:lnRef idx="2">
+            <a:schemeClr val="dk1"/>
+          </a:lnRef>
+          <a:fillRef idx="0">
+            <a:schemeClr val="dk1"/>
+          </a:fillRef>
+          <a:effectRef idx="1">
+            <a:schemeClr val="dk1"/>
+          </a:effectRef>
+          <a:fontRef idx="minor">
+            <a:schemeClr val="tx1"/>
+          </a:fontRef>
+        </p:style>
+      </p:cxnSp>
+      <p:cxnSp>
+        <p:nvCxnSpPr>
+          <p:cNvPr id="26" name="肘形连接符 25"/>
+          <p:cNvCxnSpPr>
+            <a:stCxn id="11" idx="1"/>
+            <a:endCxn id="5" idx="1"/>
+          </p:cNvCxnSpPr>
+          <p:nvPr/>
+        </p:nvCxnSpPr>
+        <p:spPr>
+          <a:xfrm rot="10800000" flipV="1">
+            <a:off x="384903" y="1180451"/>
+            <a:ext cx="12700" cy="2041242"/>
+          </a:xfrm>
+          <a:prstGeom prst="bentConnector3">
+            <a:avLst>
+              <a:gd name="adj1" fmla="val 1800000"/>
+            </a:avLst>
+          </a:prstGeom>
+          <a:ln w="3175" cmpd="sng">
+            <a:tailEnd type="arrow"/>
+          </a:ln>
+          <a:effectLst/>
+        </p:spPr>
+        <p:style>
+          <a:lnRef idx="2">
+            <a:schemeClr val="dk1"/>
+          </a:lnRef>
+          <a:fillRef idx="0">
+            <a:schemeClr val="dk1"/>
+          </a:fillRef>
+          <a:effectRef idx="1">
+            <a:schemeClr val="dk1"/>
+          </a:effectRef>
+          <a:fontRef idx="minor">
+            <a:schemeClr val="tx1"/>
+          </a:fontRef>
+        </p:style>
+      </p:cxnSp>
+      <p:sp>
+        <p:nvSpPr>
+          <p:cNvPr id="27" name="文本框 26"/>
+          <p:cNvSpPr txBox="1"/>
+          <p:nvPr/>
+        </p:nvSpPr>
+        <p:spPr>
+          <a:xfrm>
+            <a:off x="146134" y="1811504"/>
+            <a:ext cx="1712931" cy="830997"/>
+          </a:xfrm>
+          <a:prstGeom prst="rect">
+            <a:avLst/>
+          </a:prstGeom>
+          <a:noFill/>
+        </p:spPr>
+        <p:txBody>
+          <a:bodyPr wrap="square" rtlCol="0">
+            <a:spAutoFit/>
+          </a:bodyPr>
+          <a:lstStyle/>
+          <a:p>
+            <a:r>
+              <a:rPr kumimoji="1" lang="en-US" altLang="zh-CN" sz="1200" dirty="0" err="1"/>
+              <a:t>b</a:t>
+            </a:r>
+            <a:r>
+              <a:rPr kumimoji="1" lang="en-US" altLang="zh-CN" sz="1200" dirty="0" err="1" smtClean="0"/>
+              <a:t>north</a:t>
+            </a:r>
+            <a:r>
+              <a:rPr kumimoji="1" lang="en-US" altLang="zh-CN" sz="1200" dirty="0" smtClean="0"/>
+              <a:t>:</a:t>
+            </a:r>
+            <a:r>
+              <a:rPr kumimoji="1" lang="zh-CN" altLang="en-US" sz="1200" dirty="0" smtClean="0"/>
+              <a:t> </a:t>
+            </a:r>
+            <a:r>
+              <a:rPr kumimoji="1" lang="en-US" altLang="zh-CN" sz="1200" dirty="0" smtClean="0"/>
+              <a:t>app,</a:t>
+            </a:r>
+            <a:r>
+              <a:rPr kumimoji="1" lang="zh-CN" altLang="en-US" sz="1200" dirty="0" smtClean="0"/>
+              <a:t> </a:t>
+            </a:r>
+            <a:r>
+              <a:rPr kumimoji="1" lang="en-US" altLang="zh-CN" sz="1200" dirty="0" smtClean="0"/>
+              <a:t>container</a:t>
+            </a:r>
+          </a:p>
+          <a:p>
+            <a:r>
+              <a:rPr kumimoji="1" lang="en-US" altLang="zh-CN" sz="1200" dirty="0" err="1" smtClean="0"/>
+              <a:t>router:location,route,routes,router</a:t>
+            </a:r>
+            <a:r>
+              <a:rPr kumimoji="1" lang="zh-CN" altLang="zh-CN" sz="1200" dirty="0"/>
+              <a:t>,</a:t>
+            </a:r>
+            <a:r>
+              <a:rPr kumimoji="1" lang="en-US" altLang="zh-CN" sz="1200" dirty="0" err="1" smtClean="0"/>
+              <a:t>params</a:t>
+            </a:r>
+            <a:endParaRPr kumimoji="1" lang="en-US" altLang="zh-CN" sz="1200" dirty="0" smtClean="0"/>
+          </a:p>
+          <a:p>
+            <a:r>
+              <a:rPr kumimoji="1" lang="en-US" altLang="zh-CN" sz="1200" dirty="0" err="1" smtClean="0"/>
+              <a:t>redux:state_xxx</a:t>
+            </a:r>
+            <a:endParaRPr kumimoji="1" lang="zh-CN" altLang="en-US" sz="1200" dirty="0"/>
+          </a:p>
+        </p:txBody>
+      </p:sp>
+      <p:cxnSp>
+        <p:nvCxnSpPr>
+          <p:cNvPr id="29" name="肘形连接符 28"/>
+          <p:cNvCxnSpPr>
+            <a:stCxn id="10" idx="1"/>
+            <a:endCxn id="5" idx="1"/>
+          </p:cNvCxnSpPr>
+          <p:nvPr/>
+        </p:nvCxnSpPr>
+        <p:spPr>
+          <a:xfrm rot="10800000" flipV="1">
+            <a:off x="384903" y="749523"/>
+            <a:ext cx="12700" cy="2472169"/>
+          </a:xfrm>
+          <a:prstGeom prst="bentConnector3">
+            <a:avLst>
+              <a:gd name="adj1" fmla="val 1800000"/>
+            </a:avLst>
+          </a:prstGeom>
+          <a:ln w="3175" cmpd="sng">
+            <a:tailEnd type="arrow"/>
+          </a:ln>
+          <a:effectLst/>
+        </p:spPr>
+        <p:style>
+          <a:lnRef idx="2">
+            <a:schemeClr val="dk1"/>
+          </a:lnRef>
+          <a:fillRef idx="0">
+            <a:schemeClr val="dk1"/>
+          </a:fillRef>
+          <a:effectRef idx="1">
+            <a:schemeClr val="dk1"/>
+          </a:effectRef>
+          <a:fontRef idx="minor">
+            <a:schemeClr val="tx1"/>
+          </a:fontRef>
+        </p:style>
+      </p:cxnSp>
+      <p:cxnSp>
+        <p:nvCxnSpPr>
+          <p:cNvPr id="31" name="肘形连接符 30"/>
+          <p:cNvCxnSpPr>
+            <a:stCxn id="4" idx="1"/>
+            <a:endCxn id="12" idx="3"/>
+          </p:cNvCxnSpPr>
+          <p:nvPr/>
+        </p:nvCxnSpPr>
+        <p:spPr>
+          <a:xfrm rot="10800000">
+            <a:off x="1893085" y="1611378"/>
+            <a:ext cx="1706620" cy="1066"/>
+          </a:xfrm>
+          <a:prstGeom prst="bentConnector3">
+            <a:avLst/>
+          </a:prstGeom>
+          <a:ln w="3175" cmpd="sng">
+            <a:tailEnd type="arrow"/>
+          </a:ln>
+          <a:effectLst/>
+        </p:spPr>
+        <p:style>
+          <a:lnRef idx="2">
+            <a:schemeClr val="dk1"/>
+          </a:lnRef>
+          <a:fillRef idx="0">
+            <a:schemeClr val="dk1"/>
+          </a:fillRef>
+          <a:effectRef idx="1">
+            <a:schemeClr val="dk1"/>
+          </a:effectRef>
+          <a:fontRef idx="minor">
+            <a:schemeClr val="tx1"/>
+          </a:fontRef>
+        </p:style>
+      </p:cxnSp>
+      <p:cxnSp>
+        <p:nvCxnSpPr>
+          <p:cNvPr id="35" name="肘形连接符 34"/>
+          <p:cNvCxnSpPr>
+            <a:stCxn id="10" idx="3"/>
+            <a:endCxn id="6" idx="1"/>
+          </p:cNvCxnSpPr>
+          <p:nvPr/>
+        </p:nvCxnSpPr>
+        <p:spPr>
+          <a:xfrm flipV="1">
+            <a:off x="1893085" y="742342"/>
+            <a:ext cx="1706620" cy="7182"/>
+          </a:xfrm>
+          <a:prstGeom prst="bentConnector3">
+            <a:avLst/>
+          </a:prstGeom>
+          <a:ln w="3175" cmpd="sng">
+            <a:tailEnd type="arrow"/>
+          </a:ln>
+          <a:effectLst/>
+        </p:spPr>
+        <p:style>
+          <a:lnRef idx="2">
+            <a:schemeClr val="dk1"/>
+          </a:lnRef>
+          <a:fillRef idx="0">
+            <a:schemeClr val="dk1"/>
+          </a:fillRef>
+          <a:effectRef idx="1">
+            <a:schemeClr val="dk1"/>
+          </a:effectRef>
+          <a:fontRef idx="minor">
+            <a:schemeClr val="tx1"/>
+          </a:fontRef>
+        </p:style>
+      </p:cxnSp>
+      <p:cxnSp>
+        <p:nvCxnSpPr>
+          <p:cNvPr id="37" name="肘形连接符 36"/>
+          <p:cNvCxnSpPr>
+            <a:stCxn id="10" idx="3"/>
+            <a:endCxn id="8" idx="1"/>
+          </p:cNvCxnSpPr>
+          <p:nvPr/>
+        </p:nvCxnSpPr>
+        <p:spPr>
+          <a:xfrm>
+            <a:off x="1893085" y="749524"/>
+            <a:ext cx="1706620" cy="431993"/>
+          </a:xfrm>
+          <a:prstGeom prst="bentConnector3">
+            <a:avLst>
+              <a:gd name="adj1" fmla="val 82558"/>
+            </a:avLst>
+          </a:prstGeom>
+          <a:ln w="3175" cmpd="sng">
+            <a:tailEnd type="arrow"/>
+          </a:ln>
+          <a:effectLst/>
+        </p:spPr>
+        <p:style>
+          <a:lnRef idx="2">
+            <a:schemeClr val="dk1"/>
+          </a:lnRef>
+          <a:fillRef idx="0">
+            <a:schemeClr val="dk1"/>
+          </a:fillRef>
+          <a:effectRef idx="1">
+            <a:schemeClr val="dk1"/>
+          </a:effectRef>
+          <a:fontRef idx="minor">
+            <a:schemeClr val="tx1"/>
+          </a:fontRef>
+        </p:style>
+      </p:cxnSp>
+      <p:sp>
+        <p:nvSpPr>
+          <p:cNvPr id="41" name="文本框 40"/>
+          <p:cNvSpPr txBox="1"/>
+          <p:nvPr/>
+        </p:nvSpPr>
+        <p:spPr>
+          <a:xfrm>
+            <a:off x="1886725" y="1639125"/>
+            <a:ext cx="1696600" cy="461665"/>
+          </a:xfrm>
+          <a:prstGeom prst="rect">
+            <a:avLst/>
+          </a:prstGeom>
+          <a:noFill/>
+        </p:spPr>
+        <p:txBody>
+          <a:bodyPr wrap="square" rtlCol="0">
+            <a:spAutoFit/>
+          </a:bodyPr>
+          <a:lstStyle/>
+          <a:p>
+            <a:r>
+              <a:rPr kumimoji="1" lang="en-US" altLang="zh-CN" sz="1200" dirty="0" smtClean="0"/>
+              <a:t>states</a:t>
+            </a:r>
+            <a:r>
+              <a:rPr kumimoji="1" lang="zh-CN" altLang="en-US" sz="1200" dirty="0" smtClean="0"/>
+              <a:t>：</a:t>
+            </a:r>
+            <a:endParaRPr kumimoji="1" lang="en-US" altLang="zh-CN" sz="1200" dirty="0" smtClean="0"/>
+          </a:p>
+          <a:p>
+            <a:r>
+              <a:rPr kumimoji="1" lang="zh-CN" altLang="en-US" sz="1200" dirty="0" smtClean="0"/>
+              <a:t>操</a:t>
+            </a:r>
+            <a:r>
+              <a:rPr kumimoji="1" lang="zh-CN" altLang="en-US" sz="1200" dirty="0" smtClean="0"/>
+              <a:t>作</a:t>
+            </a:r>
+            <a:r>
+              <a:rPr kumimoji="1" lang="en-US" altLang="zh-CN" sz="1200" dirty="0" err="1" smtClean="0"/>
+              <a:t>redux</a:t>
+            </a:r>
+            <a:r>
+              <a:rPr kumimoji="1" lang="zh-CN" altLang="en-US" sz="1200" dirty="0" smtClean="0"/>
+              <a:t> </a:t>
+            </a:r>
+            <a:r>
+              <a:rPr kumimoji="1" lang="en-US" altLang="zh-CN" sz="1200" dirty="0" smtClean="0"/>
+              <a:t>store</a:t>
+            </a:r>
+            <a:endParaRPr kumimoji="1" lang="zh-CN" altLang="en-US" sz="1200" dirty="0"/>
+          </a:p>
+        </p:txBody>
+      </p:sp>
+      <p:sp>
+        <p:nvSpPr>
+          <p:cNvPr id="42" name="文本框 41"/>
+          <p:cNvSpPr txBox="1"/>
+          <p:nvPr/>
+        </p:nvSpPr>
+        <p:spPr>
+          <a:xfrm>
+            <a:off x="1886725" y="409078"/>
+            <a:ext cx="1980091" cy="276999"/>
+          </a:xfrm>
+          <a:prstGeom prst="rect">
+            <a:avLst/>
+          </a:prstGeom>
+          <a:noFill/>
+        </p:spPr>
+        <p:txBody>
+          <a:bodyPr wrap="square" rtlCol="0">
+            <a:spAutoFit/>
+          </a:bodyPr>
+          <a:lstStyle/>
+          <a:p>
+            <a:r>
+              <a:rPr kumimoji="1" lang="en-US" altLang="zh-CN" sz="1200" dirty="0" err="1" smtClean="0"/>
+              <a:t>bnorth</a:t>
+            </a:r>
+            <a:r>
+              <a:rPr kumimoji="1" lang="zh-CN" altLang="en-US" sz="1200" dirty="0" smtClean="0"/>
+              <a:t>：</a:t>
+            </a:r>
+            <a:r>
+              <a:rPr kumimoji="1" lang="en-US" altLang="zh-CN" sz="1200" dirty="0" smtClean="0"/>
+              <a:t>app,</a:t>
+            </a:r>
+            <a:r>
+              <a:rPr kumimoji="1" lang="zh-CN" altLang="en-US" sz="1200" dirty="0" smtClean="0"/>
+              <a:t> </a:t>
+            </a:r>
+            <a:r>
+              <a:rPr kumimoji="1" lang="en-US" altLang="zh-CN" sz="1200" dirty="0" smtClean="0"/>
+              <a:t>props</a:t>
+            </a:r>
+            <a:endParaRPr kumimoji="1" lang="zh-CN" altLang="en-US" sz="1200" dirty="0"/>
+          </a:p>
+        </p:txBody>
+      </p:sp>
+      <p:cxnSp>
+        <p:nvCxnSpPr>
+          <p:cNvPr id="45" name="肘形连接符 44"/>
+          <p:cNvCxnSpPr>
+            <a:stCxn id="5" idx="0"/>
+            <a:endCxn id="9" idx="2"/>
+          </p:cNvCxnSpPr>
+          <p:nvPr/>
+        </p:nvCxnSpPr>
+        <p:spPr>
+          <a:xfrm rot="5400000" flipH="1" flipV="1">
+            <a:off x="3173864" y="1826298"/>
+            <a:ext cx="752463" cy="1607401"/>
+          </a:xfrm>
+          <a:prstGeom prst="bentConnector3">
+            <a:avLst/>
+          </a:prstGeom>
+          <a:ln w="3175" cmpd="sng">
+            <a:tailEnd type="arrow"/>
+          </a:ln>
+          <a:effectLst/>
+        </p:spPr>
+        <p:style>
+          <a:lnRef idx="2">
+            <a:schemeClr val="dk1"/>
+          </a:lnRef>
+          <a:fillRef idx="0">
+            <a:schemeClr val="dk1"/>
+          </a:fillRef>
+          <a:effectRef idx="1">
+            <a:schemeClr val="dk1"/>
+          </a:effectRef>
+          <a:fontRef idx="minor">
+            <a:schemeClr val="tx1"/>
+          </a:fontRef>
+        </p:style>
+      </p:cxnSp>
+      <p:sp>
+        <p:nvSpPr>
+          <p:cNvPr id="46" name="文本框 45"/>
+          <p:cNvSpPr txBox="1"/>
+          <p:nvPr/>
+        </p:nvSpPr>
+        <p:spPr>
+          <a:xfrm>
+            <a:off x="2708156" y="2632134"/>
+            <a:ext cx="3403911" cy="276999"/>
+          </a:xfrm>
+          <a:prstGeom prst="rect">
+            <a:avLst/>
+          </a:prstGeom>
+          <a:noFill/>
+        </p:spPr>
+        <p:txBody>
+          <a:bodyPr wrap="square" rtlCol="0">
+            <a:spAutoFit/>
+          </a:bodyPr>
+          <a:lstStyle/>
+          <a:p>
+            <a:r>
+              <a:rPr kumimoji="1" lang="en-US" altLang="zh-CN" sz="1200" dirty="0"/>
+              <a:t>p</a:t>
+            </a:r>
+            <a:r>
+              <a:rPr kumimoji="1" lang="en-US" altLang="zh-CN" sz="1200" dirty="0" smtClean="0"/>
+              <a:t>age:</a:t>
+            </a:r>
+            <a:r>
+              <a:rPr kumimoji="1" lang="zh-CN" altLang="en-US" sz="1200" dirty="0" smtClean="0"/>
+              <a:t> 触发</a:t>
+            </a:r>
+            <a:r>
+              <a:rPr kumimoji="1" lang="en-US" altLang="zh-CN" sz="1200" dirty="0" smtClean="0"/>
+              <a:t>container</a:t>
+            </a:r>
+            <a:r>
+              <a:rPr kumimoji="1" lang="zh-CN" altLang="en-US" sz="1200" dirty="0" smtClean="0"/>
+              <a:t> </a:t>
+            </a:r>
+            <a:r>
+              <a:rPr kumimoji="1" lang="en-US" altLang="zh-CN" sz="1200" dirty="0" smtClean="0"/>
+              <a:t>action</a:t>
+            </a:r>
+            <a:r>
+              <a:rPr kumimoji="1" lang="zh-CN" altLang="en-US" sz="1200" dirty="0" smtClean="0"/>
+              <a:t> 或者</a:t>
+            </a:r>
+            <a:r>
+              <a:rPr kumimoji="1" lang="en-US" altLang="zh-CN" sz="1200" dirty="0" smtClean="0"/>
+              <a:t>app</a:t>
+            </a:r>
+            <a:r>
+              <a:rPr kumimoji="1" lang="zh-CN" altLang="en-US" sz="1200" dirty="0" smtClean="0"/>
+              <a:t> </a:t>
+            </a:r>
+            <a:r>
+              <a:rPr kumimoji="1" lang="en-US" altLang="zh-CN" sz="1200" dirty="0" smtClean="0"/>
+              <a:t>action</a:t>
+            </a:r>
+            <a:endParaRPr kumimoji="1" lang="zh-CN" altLang="en-US" sz="1200" dirty="0"/>
+          </a:p>
+        </p:txBody>
+      </p:sp>
+      <p:sp>
+        <p:nvSpPr>
+          <p:cNvPr id="47" name="文本框 46"/>
+          <p:cNvSpPr txBox="1"/>
+          <p:nvPr/>
+        </p:nvSpPr>
+        <p:spPr>
+          <a:xfrm>
+            <a:off x="1880361" y="755424"/>
+            <a:ext cx="1839040" cy="276999"/>
+          </a:xfrm>
+          <a:prstGeom prst="rect">
+            <a:avLst/>
+          </a:prstGeom>
+          <a:noFill/>
+        </p:spPr>
+        <p:txBody>
+          <a:bodyPr wrap="square" rtlCol="0">
+            <a:spAutoFit/>
+          </a:bodyPr>
+          <a:lstStyle/>
+          <a:p>
+            <a:r>
+              <a:rPr kumimoji="1" lang="en-US" altLang="zh-CN" sz="1200" dirty="0" err="1" smtClean="0"/>
+              <a:t>bnorth</a:t>
+            </a:r>
+            <a:r>
+              <a:rPr kumimoji="1" lang="zh-CN" altLang="en-US" sz="1200" dirty="0" smtClean="0"/>
+              <a:t>：触发事件</a:t>
+            </a:r>
+            <a:endParaRPr kumimoji="1" lang="zh-CN" altLang="en-US" sz="1200" dirty="0"/>
+          </a:p>
+        </p:txBody>
+      </p:sp>
+      <p:cxnSp>
+        <p:nvCxnSpPr>
+          <p:cNvPr id="51" name="直线箭头连接符 50"/>
+          <p:cNvCxnSpPr/>
+          <p:nvPr/>
+        </p:nvCxnSpPr>
+        <p:spPr>
+          <a:xfrm flipH="1">
+            <a:off x="5306960" y="984644"/>
+            <a:ext cx="22679" cy="1269123"/>
+          </a:xfrm>
+          <a:prstGeom prst="straightConnector1">
+            <a:avLst/>
+          </a:prstGeom>
+          <a:ln w="3175" cmpd="sng">
+            <a:headEnd type="arrow"/>
+            <a:tailEnd type="arrow"/>
+          </a:ln>
+          <a:effectLst/>
+        </p:spPr>
+        <p:style>
+          <a:lnRef idx="2">
+            <a:schemeClr val="dk1"/>
+          </a:lnRef>
+          <a:fillRef idx="0">
+            <a:schemeClr val="dk1"/>
+          </a:fillRef>
+          <a:effectRef idx="1">
+            <a:schemeClr val="dk1"/>
+          </a:effectRef>
+          <a:fontRef idx="minor">
+            <a:schemeClr val="tx1"/>
+          </a:fontRef>
+        </p:style>
+      </p:cxnSp>
+      <p:sp>
+        <p:nvSpPr>
+          <p:cNvPr id="52" name="文本框 51"/>
+          <p:cNvSpPr txBox="1"/>
+          <p:nvPr/>
+        </p:nvSpPr>
+        <p:spPr>
+          <a:xfrm>
+            <a:off x="5306960" y="1396980"/>
+            <a:ext cx="1515161" cy="276999"/>
+          </a:xfrm>
+          <a:prstGeom prst="rect">
+            <a:avLst/>
+          </a:prstGeom>
+          <a:noFill/>
+        </p:spPr>
+        <p:txBody>
+          <a:bodyPr wrap="square" rtlCol="0">
+            <a:spAutoFit/>
+          </a:bodyPr>
+          <a:lstStyle/>
+          <a:p>
+            <a:r>
+              <a:rPr kumimoji="1" lang="zh-CN" altLang="en-US" sz="1200" dirty="0" smtClean="0"/>
+              <a:t>内部互相调用</a:t>
+            </a:r>
+            <a:endParaRPr kumimoji="1" lang="zh-CN" altLang="en-US" sz="1200" dirty="0"/>
+          </a:p>
+        </p:txBody>
+      </p:sp>
+    </p:spTree>
+    <p:extLst>
+      <p:ext uri="{BB962C8B-B14F-4D97-AF65-F5344CB8AC3E}">
+        <p14:creationId xmlns:p14="http://schemas.microsoft.com/office/powerpoint/2010/main" val="2558587476"/>
       </p:ext>
     </p:extLst>
   </p:cSld>
@@ -4419,18 +5453,23 @@
       </a:style>
     </a:spDef>
     <a:lnDef>
-      <a:spPr/>
+      <a:spPr>
+        <a:ln w="3175" cmpd="sng">
+          <a:tailEnd type="arrow"/>
+        </a:ln>
+        <a:effectLst/>
+      </a:spPr>
       <a:bodyPr/>
       <a:lstStyle/>
       <a:style>
         <a:lnRef idx="2">
-          <a:schemeClr val="accent1"/>
+          <a:schemeClr val="dk1"/>
         </a:lnRef>
         <a:fillRef idx="0">
-          <a:schemeClr val="accent1"/>
+          <a:schemeClr val="dk1"/>
         </a:fillRef>
         <a:effectRef idx="1">
-          <a:schemeClr val="accent1"/>
+          <a:schemeClr val="dk1"/>
         </a:effectRef>
         <a:fontRef idx="minor">
           <a:schemeClr val="tx1"/>
